--- a/Мурадов_ИКБО-16-19_Презентация.pptx
+++ b/Мурадов_ИКБО-16-19_Презентация.pptx
@@ -17736,7 +17736,7 @@
                 </a:uFill>
                 <a:latin typeface="Qanelas" panose="00000500000000000000" pitchFamily="50" charset="-52"/>
               </a:rPr>
-              <a:t>Провести анализ предметной области веб-приложения</a:t>
+              <a:t>Провести анализ предметной области приложения</a:t>
             </a:r>
           </a:p>
           <a:p>
@@ -19635,7 +19635,7 @@
               <a:rPr lang="ru-RU" sz="1400" dirty="0">
                 <a:latin typeface="Qanelas Light" panose="00000400000000000000" pitchFamily="50" charset="-52"/>
               </a:rPr>
-              <a:t>, чтобы оптимизировать модели, если бы я его этого не сделал, то из-за большой детализации, FPS (</a:t>
+              <a:t>, чтобы оптимизировать модели, если бы я этого не сделал, то из-за большой детализации, FPS (</a:t>
             </a:r>
             <a:r>
               <a:rPr lang="ru-RU" sz="1400" dirty="0" err="1">
@@ -19671,7 +19671,7 @@
               <a:rPr lang="ru-RU" sz="1400" dirty="0">
                 <a:latin typeface="Qanelas Light" panose="00000400000000000000" pitchFamily="50" charset="-52"/>
               </a:rPr>
-              <a:t> ноутбуки. С объёмным контентом мне чаще всего помогали два портала </a:t>
+              <a:t> ноутбуки не приходилось бы говорить. С объёмным контентом мне чаще всего помогали два портала </a:t>
             </a:r>
             <a:r>
               <a:rPr lang="ru-RU" sz="1400" dirty="0" err="1">
